--- a/Slides/Module 2 -Object Oriented Programming in J.pptx
+++ b/Slides/Module 2 -Object Oriented Programming in J.pptx
@@ -4237,55 +4237,6 @@
           </a:prstGeom>
         </p:spPr>
       </p:pic>
-      <p:sp>
-        <p:nvSpPr>
-          <p:cNvPr id="10" name="Rectangle 9"/>
-          <p:cNvSpPr/>
-          <p:nvPr userDrawn="1"/>
-        </p:nvSpPr>
-        <p:spPr>
-          <a:xfrm>
-            <a:off x="2356" y="0"/>
-            <a:ext cx="45719" cy="6858000"/>
-          </a:xfrm>
-          <a:prstGeom prst="rect">
-            <a:avLst/>
-          </a:prstGeom>
-          <a:solidFill>
-            <a:schemeClr val="accent6">
-              <a:lumMod val="60000"/>
-              <a:lumOff val="40000"/>
-            </a:schemeClr>
-          </a:solidFill>
-          <a:ln>
-            <a:noFill/>
-          </a:ln>
-        </p:spPr>
-        <p:style>
-          <a:lnRef idx="2">
-            <a:schemeClr val="accent1">
-              <a:shade val="50000"/>
-            </a:schemeClr>
-          </a:lnRef>
-          <a:fillRef idx="1">
-            <a:schemeClr val="accent1"/>
-          </a:fillRef>
-          <a:effectRef idx="0">
-            <a:schemeClr val="accent1"/>
-          </a:effectRef>
-          <a:fontRef idx="minor">
-            <a:schemeClr val="lt1"/>
-          </a:fontRef>
-        </p:style>
-        <p:txBody>
-          <a:bodyPr rtlCol="0" anchor="ctr"/>
-          <a:lstStyle/>
-          <a:p>
-            <a:pPr algn="ctr"/>
-            <a:endParaRPr lang="en-US"/>
-          </a:p>
-        </p:txBody>
-      </p:sp>
     </p:spTree>
     <p:extLst>
       <p:ext uri="{BB962C8B-B14F-4D97-AF65-F5344CB8AC3E}">
@@ -4905,55 +4856,6 @@
           </a:prstGeom>
         </p:spPr>
       </p:pic>
-      <p:sp>
-        <p:nvSpPr>
-          <p:cNvPr id="10" name="Rectangle 9"/>
-          <p:cNvSpPr/>
-          <p:nvPr userDrawn="1"/>
-        </p:nvSpPr>
-        <p:spPr>
-          <a:xfrm>
-            <a:off x="2356" y="0"/>
-            <a:ext cx="45719" cy="6858000"/>
-          </a:xfrm>
-          <a:prstGeom prst="rect">
-            <a:avLst/>
-          </a:prstGeom>
-          <a:solidFill>
-            <a:schemeClr val="accent5">
-              <a:lumMod val="60000"/>
-              <a:lumOff val="40000"/>
-            </a:schemeClr>
-          </a:solidFill>
-          <a:ln>
-            <a:noFill/>
-          </a:ln>
-        </p:spPr>
-        <p:style>
-          <a:lnRef idx="2">
-            <a:schemeClr val="accent1">
-              <a:shade val="50000"/>
-            </a:schemeClr>
-          </a:lnRef>
-          <a:fillRef idx="1">
-            <a:schemeClr val="accent1"/>
-          </a:fillRef>
-          <a:effectRef idx="0">
-            <a:schemeClr val="accent1"/>
-          </a:effectRef>
-          <a:fontRef idx="minor">
-            <a:schemeClr val="lt1"/>
-          </a:fontRef>
-        </p:style>
-        <p:txBody>
-          <a:bodyPr rtlCol="0" anchor="ctr"/>
-          <a:lstStyle/>
-          <a:p>
-            <a:pPr algn="ctr"/>
-            <a:endParaRPr lang="en-US"/>
-          </a:p>
-        </p:txBody>
-      </p:sp>
     </p:spTree>
     <p:extLst>
       <p:ext uri="{BB962C8B-B14F-4D97-AF65-F5344CB8AC3E}">
@@ -5573,55 +5475,6 @@
           </a:prstGeom>
         </p:spPr>
       </p:pic>
-      <p:sp>
-        <p:nvSpPr>
-          <p:cNvPr id="10" name="Rectangle 9"/>
-          <p:cNvSpPr/>
-          <p:nvPr userDrawn="1"/>
-        </p:nvSpPr>
-        <p:spPr>
-          <a:xfrm>
-            <a:off x="2356" y="0"/>
-            <a:ext cx="45719" cy="6858000"/>
-          </a:xfrm>
-          <a:prstGeom prst="rect">
-            <a:avLst/>
-          </a:prstGeom>
-          <a:solidFill>
-            <a:schemeClr val="accent5">
-              <a:lumMod val="60000"/>
-              <a:lumOff val="40000"/>
-            </a:schemeClr>
-          </a:solidFill>
-          <a:ln>
-            <a:noFill/>
-          </a:ln>
-        </p:spPr>
-        <p:style>
-          <a:lnRef idx="2">
-            <a:schemeClr val="accent1">
-              <a:shade val="50000"/>
-            </a:schemeClr>
-          </a:lnRef>
-          <a:fillRef idx="1">
-            <a:schemeClr val="accent1"/>
-          </a:fillRef>
-          <a:effectRef idx="0">
-            <a:schemeClr val="accent1"/>
-          </a:effectRef>
-          <a:fontRef idx="minor">
-            <a:schemeClr val="lt1"/>
-          </a:fontRef>
-        </p:style>
-        <p:txBody>
-          <a:bodyPr rtlCol="0" anchor="ctr"/>
-          <a:lstStyle/>
-          <a:p>
-            <a:pPr algn="ctr"/>
-            <a:endParaRPr lang="en-US"/>
-          </a:p>
-        </p:txBody>
-      </p:sp>
     </p:spTree>
     <p:extLst>
       <p:ext uri="{BB962C8B-B14F-4D97-AF65-F5344CB8AC3E}">
@@ -6909,55 +6762,6 @@
           </a:prstGeom>
         </p:spPr>
       </p:pic>
-      <p:sp>
-        <p:nvSpPr>
-          <p:cNvPr id="10" name="Rectangle 9"/>
-          <p:cNvSpPr/>
-          <p:nvPr userDrawn="1"/>
-        </p:nvSpPr>
-        <p:spPr>
-          <a:xfrm>
-            <a:off x="2356" y="0"/>
-            <a:ext cx="45719" cy="6858000"/>
-          </a:xfrm>
-          <a:prstGeom prst="rect">
-            <a:avLst/>
-          </a:prstGeom>
-          <a:solidFill>
-            <a:schemeClr val="accent5">
-              <a:lumMod val="60000"/>
-              <a:lumOff val="40000"/>
-            </a:schemeClr>
-          </a:solidFill>
-          <a:ln>
-            <a:noFill/>
-          </a:ln>
-        </p:spPr>
-        <p:style>
-          <a:lnRef idx="2">
-            <a:schemeClr val="accent1">
-              <a:shade val="50000"/>
-            </a:schemeClr>
-          </a:lnRef>
-          <a:fillRef idx="1">
-            <a:schemeClr val="accent1"/>
-          </a:fillRef>
-          <a:effectRef idx="0">
-            <a:schemeClr val="accent1"/>
-          </a:effectRef>
-          <a:fontRef idx="minor">
-            <a:schemeClr val="lt1"/>
-          </a:fontRef>
-        </p:style>
-        <p:txBody>
-          <a:bodyPr rtlCol="0" anchor="ctr"/>
-          <a:lstStyle/>
-          <a:p>
-            <a:pPr algn="ctr"/>
-            <a:endParaRPr lang="en-US"/>
-          </a:p>
-        </p:txBody>
-      </p:sp>
     </p:spTree>
     <p:extLst>
       <p:ext uri="{BB962C8B-B14F-4D97-AF65-F5344CB8AC3E}">
@@ -7577,55 +7381,6 @@
           </a:prstGeom>
         </p:spPr>
       </p:pic>
-      <p:sp>
-        <p:nvSpPr>
-          <p:cNvPr id="10" name="Rectangle 9"/>
-          <p:cNvSpPr/>
-          <p:nvPr userDrawn="1"/>
-        </p:nvSpPr>
-        <p:spPr>
-          <a:xfrm>
-            <a:off x="2356" y="0"/>
-            <a:ext cx="45719" cy="6858000"/>
-          </a:xfrm>
-          <a:prstGeom prst="rect">
-            <a:avLst/>
-          </a:prstGeom>
-          <a:solidFill>
-            <a:schemeClr val="accent5">
-              <a:lumMod val="60000"/>
-              <a:lumOff val="40000"/>
-            </a:schemeClr>
-          </a:solidFill>
-          <a:ln>
-            <a:noFill/>
-          </a:ln>
-        </p:spPr>
-        <p:style>
-          <a:lnRef idx="2">
-            <a:schemeClr val="accent1">
-              <a:shade val="50000"/>
-            </a:schemeClr>
-          </a:lnRef>
-          <a:fillRef idx="1">
-            <a:schemeClr val="accent1"/>
-          </a:fillRef>
-          <a:effectRef idx="0">
-            <a:schemeClr val="accent1"/>
-          </a:effectRef>
-          <a:fontRef idx="minor">
-            <a:schemeClr val="lt1"/>
-          </a:fontRef>
-        </p:style>
-        <p:txBody>
-          <a:bodyPr rtlCol="0" anchor="ctr"/>
-          <a:lstStyle/>
-          <a:p>
-            <a:pPr algn="ctr"/>
-            <a:endParaRPr lang="en-US"/>
-          </a:p>
-        </p:txBody>
-      </p:sp>
     </p:spTree>
     <p:extLst>
       <p:ext uri="{BB962C8B-B14F-4D97-AF65-F5344CB8AC3E}">
@@ -7825,55 +7580,6 @@
           </a:prstGeom>
         </p:spPr>
       </p:pic>
-      <p:sp>
-        <p:nvSpPr>
-          <p:cNvPr id="7" name="Rectangle 6"/>
-          <p:cNvSpPr/>
-          <p:nvPr userDrawn="1"/>
-        </p:nvSpPr>
-        <p:spPr>
-          <a:xfrm>
-            <a:off x="2356" y="0"/>
-            <a:ext cx="45719" cy="6858000"/>
-          </a:xfrm>
-          <a:prstGeom prst="rect">
-            <a:avLst/>
-          </a:prstGeom>
-          <a:solidFill>
-            <a:schemeClr val="accent6">
-              <a:lumMod val="60000"/>
-              <a:lumOff val="40000"/>
-            </a:schemeClr>
-          </a:solidFill>
-          <a:ln>
-            <a:noFill/>
-          </a:ln>
-        </p:spPr>
-        <p:style>
-          <a:lnRef idx="2">
-            <a:schemeClr val="accent1">
-              <a:shade val="50000"/>
-            </a:schemeClr>
-          </a:lnRef>
-          <a:fillRef idx="1">
-            <a:schemeClr val="accent1"/>
-          </a:fillRef>
-          <a:effectRef idx="0">
-            <a:schemeClr val="accent1"/>
-          </a:effectRef>
-          <a:fontRef idx="minor">
-            <a:schemeClr val="lt1"/>
-          </a:fontRef>
-        </p:style>
-        <p:txBody>
-          <a:bodyPr rtlCol="0" anchor="ctr"/>
-          <a:lstStyle/>
-          <a:p>
-            <a:pPr algn="ctr"/>
-            <a:endParaRPr lang="en-US"/>
-          </a:p>
-        </p:txBody>
-      </p:sp>
     </p:spTree>
     <p:extLst>
       <p:ext uri="{BB962C8B-B14F-4D97-AF65-F5344CB8AC3E}">
@@ -8057,55 +7763,6 @@
           </a:prstGeom>
         </p:spPr>
       </p:pic>
-      <p:sp>
-        <p:nvSpPr>
-          <p:cNvPr id="7" name="Rectangle 6"/>
-          <p:cNvSpPr/>
-          <p:nvPr userDrawn="1"/>
-        </p:nvSpPr>
-        <p:spPr>
-          <a:xfrm>
-            <a:off x="2356" y="0"/>
-            <a:ext cx="45719" cy="6858000"/>
-          </a:xfrm>
-          <a:prstGeom prst="rect">
-            <a:avLst/>
-          </a:prstGeom>
-          <a:solidFill>
-            <a:schemeClr val="accent5">
-              <a:lumMod val="60000"/>
-              <a:lumOff val="40000"/>
-            </a:schemeClr>
-          </a:solidFill>
-          <a:ln>
-            <a:noFill/>
-          </a:ln>
-        </p:spPr>
-        <p:style>
-          <a:lnRef idx="2">
-            <a:schemeClr val="accent1">
-              <a:shade val="50000"/>
-            </a:schemeClr>
-          </a:lnRef>
-          <a:fillRef idx="1">
-            <a:schemeClr val="accent1"/>
-          </a:fillRef>
-          <a:effectRef idx="0">
-            <a:schemeClr val="accent1"/>
-          </a:effectRef>
-          <a:fontRef idx="minor">
-            <a:schemeClr val="lt1"/>
-          </a:fontRef>
-        </p:style>
-        <p:txBody>
-          <a:bodyPr rtlCol="0" anchor="ctr"/>
-          <a:lstStyle/>
-          <a:p>
-            <a:pPr algn="ctr"/>
-            <a:endParaRPr lang="en-US"/>
-          </a:p>
-        </p:txBody>
-      </p:sp>
     </p:spTree>
     <p:extLst>
       <p:ext uri="{BB962C8B-B14F-4D97-AF65-F5344CB8AC3E}">
@@ -8289,55 +7946,6 @@
           </a:prstGeom>
         </p:spPr>
       </p:pic>
-      <p:sp>
-        <p:nvSpPr>
-          <p:cNvPr id="7" name="Rectangle 6"/>
-          <p:cNvSpPr/>
-          <p:nvPr userDrawn="1"/>
-        </p:nvSpPr>
-        <p:spPr>
-          <a:xfrm>
-            <a:off x="2356" y="0"/>
-            <a:ext cx="45719" cy="6858000"/>
-          </a:xfrm>
-          <a:prstGeom prst="rect">
-            <a:avLst/>
-          </a:prstGeom>
-          <a:solidFill>
-            <a:schemeClr val="accent5">
-              <a:lumMod val="60000"/>
-              <a:lumOff val="40000"/>
-            </a:schemeClr>
-          </a:solidFill>
-          <a:ln>
-            <a:noFill/>
-          </a:ln>
-        </p:spPr>
-        <p:style>
-          <a:lnRef idx="2">
-            <a:schemeClr val="accent1">
-              <a:shade val="50000"/>
-            </a:schemeClr>
-          </a:lnRef>
-          <a:fillRef idx="1">
-            <a:schemeClr val="accent1"/>
-          </a:fillRef>
-          <a:effectRef idx="0">
-            <a:schemeClr val="accent1"/>
-          </a:effectRef>
-          <a:fontRef idx="minor">
-            <a:schemeClr val="lt1"/>
-          </a:fontRef>
-        </p:style>
-        <p:txBody>
-          <a:bodyPr rtlCol="0" anchor="ctr"/>
-          <a:lstStyle/>
-          <a:p>
-            <a:pPr algn="ctr"/>
-            <a:endParaRPr lang="en-US"/>
-          </a:p>
-        </p:txBody>
-      </p:sp>
     </p:spTree>
     <p:extLst>
       <p:ext uri="{BB962C8B-B14F-4D97-AF65-F5344CB8AC3E}">
@@ -8521,55 +8129,6 @@
           </a:prstGeom>
         </p:spPr>
       </p:pic>
-      <p:sp>
-        <p:nvSpPr>
-          <p:cNvPr id="7" name="Rectangle 6"/>
-          <p:cNvSpPr/>
-          <p:nvPr userDrawn="1"/>
-        </p:nvSpPr>
-        <p:spPr>
-          <a:xfrm>
-            <a:off x="2356" y="0"/>
-            <a:ext cx="45719" cy="6858000"/>
-          </a:xfrm>
-          <a:prstGeom prst="rect">
-            <a:avLst/>
-          </a:prstGeom>
-          <a:solidFill>
-            <a:schemeClr val="accent5">
-              <a:lumMod val="60000"/>
-              <a:lumOff val="40000"/>
-            </a:schemeClr>
-          </a:solidFill>
-          <a:ln>
-            <a:noFill/>
-          </a:ln>
-        </p:spPr>
-        <p:style>
-          <a:lnRef idx="2">
-            <a:schemeClr val="accent1">
-              <a:shade val="50000"/>
-            </a:schemeClr>
-          </a:lnRef>
-          <a:fillRef idx="1">
-            <a:schemeClr val="accent1"/>
-          </a:fillRef>
-          <a:effectRef idx="0">
-            <a:schemeClr val="accent1"/>
-          </a:effectRef>
-          <a:fontRef idx="minor">
-            <a:schemeClr val="lt1"/>
-          </a:fontRef>
-        </p:style>
-        <p:txBody>
-          <a:bodyPr rtlCol="0" anchor="ctr"/>
-          <a:lstStyle/>
-          <a:p>
-            <a:pPr algn="ctr"/>
-            <a:endParaRPr lang="en-US"/>
-          </a:p>
-        </p:txBody>
-      </p:sp>
     </p:spTree>
     <p:extLst>
       <p:ext uri="{BB962C8B-B14F-4D97-AF65-F5344CB8AC3E}">
@@ -8753,55 +8312,6 @@
           </a:prstGeom>
         </p:spPr>
       </p:pic>
-      <p:sp>
-        <p:nvSpPr>
-          <p:cNvPr id="7" name="Rectangle 6"/>
-          <p:cNvSpPr/>
-          <p:nvPr userDrawn="1"/>
-        </p:nvSpPr>
-        <p:spPr>
-          <a:xfrm>
-            <a:off x="2356" y="0"/>
-            <a:ext cx="45719" cy="6858000"/>
-          </a:xfrm>
-          <a:prstGeom prst="rect">
-            <a:avLst/>
-          </a:prstGeom>
-          <a:solidFill>
-            <a:schemeClr val="accent5">
-              <a:lumMod val="60000"/>
-              <a:lumOff val="40000"/>
-            </a:schemeClr>
-          </a:solidFill>
-          <a:ln>
-            <a:noFill/>
-          </a:ln>
-        </p:spPr>
-        <p:style>
-          <a:lnRef idx="2">
-            <a:schemeClr val="accent1">
-              <a:shade val="50000"/>
-            </a:schemeClr>
-          </a:lnRef>
-          <a:fillRef idx="1">
-            <a:schemeClr val="accent1"/>
-          </a:fillRef>
-          <a:effectRef idx="0">
-            <a:schemeClr val="accent1"/>
-          </a:effectRef>
-          <a:fontRef idx="minor">
-            <a:schemeClr val="lt1"/>
-          </a:fontRef>
-        </p:style>
-        <p:txBody>
-          <a:bodyPr rtlCol="0" anchor="ctr"/>
-          <a:lstStyle/>
-          <a:p>
-            <a:pPr algn="ctr"/>
-            <a:endParaRPr lang="en-US"/>
-          </a:p>
-        </p:txBody>
-      </p:sp>
     </p:spTree>
     <p:extLst>
       <p:ext uri="{BB962C8B-B14F-4D97-AF65-F5344CB8AC3E}">
@@ -8985,55 +8495,6 @@
           </a:prstGeom>
         </p:spPr>
       </p:pic>
-      <p:sp>
-        <p:nvSpPr>
-          <p:cNvPr id="7" name="Rectangle 6"/>
-          <p:cNvSpPr/>
-          <p:nvPr userDrawn="1"/>
-        </p:nvSpPr>
-        <p:spPr>
-          <a:xfrm>
-            <a:off x="2356" y="0"/>
-            <a:ext cx="45719" cy="6858000"/>
-          </a:xfrm>
-          <a:prstGeom prst="rect">
-            <a:avLst/>
-          </a:prstGeom>
-          <a:solidFill>
-            <a:schemeClr val="accent5">
-              <a:lumMod val="60000"/>
-              <a:lumOff val="40000"/>
-            </a:schemeClr>
-          </a:solidFill>
-          <a:ln>
-            <a:noFill/>
-          </a:ln>
-        </p:spPr>
-        <p:style>
-          <a:lnRef idx="2">
-            <a:schemeClr val="accent1">
-              <a:shade val="50000"/>
-            </a:schemeClr>
-          </a:lnRef>
-          <a:fillRef idx="1">
-            <a:schemeClr val="accent1"/>
-          </a:fillRef>
-          <a:effectRef idx="0">
-            <a:schemeClr val="accent1"/>
-          </a:effectRef>
-          <a:fontRef idx="minor">
-            <a:schemeClr val="lt1"/>
-          </a:fontRef>
-        </p:style>
-        <p:txBody>
-          <a:bodyPr rtlCol="0" anchor="ctr"/>
-          <a:lstStyle/>
-          <a:p>
-            <a:pPr algn="ctr"/>
-            <a:endParaRPr lang="en-US"/>
-          </a:p>
-        </p:txBody>
-      </p:sp>
     </p:spTree>
     <p:extLst>
       <p:ext uri="{BB962C8B-B14F-4D97-AF65-F5344CB8AC3E}">
@@ -9178,55 +8639,6 @@
           </a:p>
         </p:txBody>
       </p:sp>
-      <p:sp>
-        <p:nvSpPr>
-          <p:cNvPr id="9" name="Rectangle 8"/>
-          <p:cNvSpPr/>
-          <p:nvPr userDrawn="1"/>
-        </p:nvSpPr>
-        <p:spPr>
-          <a:xfrm>
-            <a:off x="2356" y="0"/>
-            <a:ext cx="45719" cy="6858000"/>
-          </a:xfrm>
-          <a:prstGeom prst="rect">
-            <a:avLst/>
-          </a:prstGeom>
-          <a:solidFill>
-            <a:schemeClr val="accent6">
-              <a:lumMod val="60000"/>
-              <a:lumOff val="40000"/>
-            </a:schemeClr>
-          </a:solidFill>
-          <a:ln>
-            <a:noFill/>
-          </a:ln>
-        </p:spPr>
-        <p:style>
-          <a:lnRef idx="2">
-            <a:schemeClr val="accent1">
-              <a:shade val="50000"/>
-            </a:schemeClr>
-          </a:lnRef>
-          <a:fillRef idx="1">
-            <a:schemeClr val="accent1"/>
-          </a:fillRef>
-          <a:effectRef idx="0">
-            <a:schemeClr val="accent1"/>
-          </a:effectRef>
-          <a:fontRef idx="minor">
-            <a:schemeClr val="lt1"/>
-          </a:fontRef>
-        </p:style>
-        <p:txBody>
-          <a:bodyPr rtlCol="0" anchor="ctr"/>
-          <a:lstStyle/>
-          <a:p>
-            <a:pPr algn="ctr"/>
-            <a:endParaRPr lang="en-US"/>
-          </a:p>
-        </p:txBody>
-      </p:sp>
     </p:spTree>
     <p:extLst>
       <p:ext uri="{BB962C8B-B14F-4D97-AF65-F5344CB8AC3E}">
@@ -9368,55 +8780,6 @@
               <a:t>Fifth level</a:t>
             </a:r>
             <a:endParaRPr lang="en-US" dirty="0"/>
-          </a:p>
-        </p:txBody>
-      </p:sp>
-      <p:sp>
-        <p:nvSpPr>
-          <p:cNvPr id="9" name="Rectangle 8"/>
-          <p:cNvSpPr/>
-          <p:nvPr userDrawn="1"/>
-        </p:nvSpPr>
-        <p:spPr>
-          <a:xfrm>
-            <a:off x="2356" y="0"/>
-            <a:ext cx="45719" cy="6858000"/>
-          </a:xfrm>
-          <a:prstGeom prst="rect">
-            <a:avLst/>
-          </a:prstGeom>
-          <a:solidFill>
-            <a:schemeClr val="accent6">
-              <a:lumMod val="60000"/>
-              <a:lumOff val="40000"/>
-            </a:schemeClr>
-          </a:solidFill>
-          <a:ln>
-            <a:noFill/>
-          </a:ln>
-        </p:spPr>
-        <p:style>
-          <a:lnRef idx="2">
-            <a:schemeClr val="accent1">
-              <a:shade val="50000"/>
-            </a:schemeClr>
-          </a:lnRef>
-          <a:fillRef idx="1">
-            <a:schemeClr val="accent1"/>
-          </a:fillRef>
-          <a:effectRef idx="0">
-            <a:schemeClr val="accent1"/>
-          </a:effectRef>
-          <a:fontRef idx="minor">
-            <a:schemeClr val="lt1"/>
-          </a:fontRef>
-        </p:style>
-        <p:txBody>
-          <a:bodyPr rtlCol="0" anchor="ctr"/>
-          <a:lstStyle/>
-          <a:p>
-            <a:pPr algn="ctr"/>
-            <a:endParaRPr lang="en-US"/>
           </a:p>
         </p:txBody>
       </p:sp>
@@ -10232,55 +9595,6 @@
           </a:p>
         </p:txBody>
       </p:sp>
-      <p:sp>
-        <p:nvSpPr>
-          <p:cNvPr id="9" name="Rectangle 8"/>
-          <p:cNvSpPr/>
-          <p:nvPr userDrawn="1"/>
-        </p:nvSpPr>
-        <p:spPr>
-          <a:xfrm>
-            <a:off x="2356" y="0"/>
-            <a:ext cx="45719" cy="6858000"/>
-          </a:xfrm>
-          <a:prstGeom prst="rect">
-            <a:avLst/>
-          </a:prstGeom>
-          <a:solidFill>
-            <a:schemeClr val="accent6">
-              <a:lumMod val="60000"/>
-              <a:lumOff val="40000"/>
-            </a:schemeClr>
-          </a:solidFill>
-          <a:ln>
-            <a:noFill/>
-          </a:ln>
-        </p:spPr>
-        <p:style>
-          <a:lnRef idx="2">
-            <a:schemeClr val="accent1">
-              <a:shade val="50000"/>
-            </a:schemeClr>
-          </a:lnRef>
-          <a:fillRef idx="1">
-            <a:schemeClr val="accent1"/>
-          </a:fillRef>
-          <a:effectRef idx="0">
-            <a:schemeClr val="accent1"/>
-          </a:effectRef>
-          <a:fontRef idx="minor">
-            <a:schemeClr val="lt1"/>
-          </a:fontRef>
-        </p:style>
-        <p:txBody>
-          <a:bodyPr rtlCol="0" anchor="ctr"/>
-          <a:lstStyle/>
-          <a:p>
-            <a:pPr algn="ctr"/>
-            <a:endParaRPr lang="en-US"/>
-          </a:p>
-        </p:txBody>
-      </p:sp>
     </p:spTree>
     <p:extLst>
       <p:ext uri="{BB962C8B-B14F-4D97-AF65-F5344CB8AC3E}">
@@ -10420,55 +9734,6 @@
           </a:p>
         </p:txBody>
       </p:sp>
-      <p:sp>
-        <p:nvSpPr>
-          <p:cNvPr id="4" name="Rectangle 3"/>
-          <p:cNvSpPr/>
-          <p:nvPr userDrawn="1"/>
-        </p:nvSpPr>
-        <p:spPr>
-          <a:xfrm>
-            <a:off x="2356" y="0"/>
-            <a:ext cx="45719" cy="6858000"/>
-          </a:xfrm>
-          <a:prstGeom prst="rect">
-            <a:avLst/>
-          </a:prstGeom>
-          <a:solidFill>
-            <a:schemeClr val="accent5">
-              <a:lumMod val="60000"/>
-              <a:lumOff val="40000"/>
-            </a:schemeClr>
-          </a:solidFill>
-          <a:ln>
-            <a:noFill/>
-          </a:ln>
-        </p:spPr>
-        <p:style>
-          <a:lnRef idx="2">
-            <a:schemeClr val="accent1">
-              <a:shade val="50000"/>
-            </a:schemeClr>
-          </a:lnRef>
-          <a:fillRef idx="1">
-            <a:schemeClr val="accent1"/>
-          </a:fillRef>
-          <a:effectRef idx="0">
-            <a:schemeClr val="accent1"/>
-          </a:effectRef>
-          <a:fontRef idx="minor">
-            <a:schemeClr val="lt1"/>
-          </a:fontRef>
-        </p:style>
-        <p:txBody>
-          <a:bodyPr rtlCol="0" anchor="ctr"/>
-          <a:lstStyle/>
-          <a:p>
-            <a:pPr algn="ctr"/>
-            <a:endParaRPr lang="en-US"/>
-          </a:p>
-        </p:txBody>
-      </p:sp>
     </p:spTree>
     <p:extLst>
       <p:ext uri="{BB962C8B-B14F-4D97-AF65-F5344CB8AC3E}">
@@ -10608,55 +9873,6 @@
           </a:p>
         </p:txBody>
       </p:sp>
-      <p:sp>
-        <p:nvSpPr>
-          <p:cNvPr id="4" name="Rectangle 3"/>
-          <p:cNvSpPr/>
-          <p:nvPr userDrawn="1"/>
-        </p:nvSpPr>
-        <p:spPr>
-          <a:xfrm>
-            <a:off x="2356" y="0"/>
-            <a:ext cx="45719" cy="6858000"/>
-          </a:xfrm>
-          <a:prstGeom prst="rect">
-            <a:avLst/>
-          </a:prstGeom>
-          <a:solidFill>
-            <a:schemeClr val="accent5">
-              <a:lumMod val="60000"/>
-              <a:lumOff val="40000"/>
-            </a:schemeClr>
-          </a:solidFill>
-          <a:ln>
-            <a:noFill/>
-          </a:ln>
-        </p:spPr>
-        <p:style>
-          <a:lnRef idx="2">
-            <a:schemeClr val="accent1">
-              <a:shade val="50000"/>
-            </a:schemeClr>
-          </a:lnRef>
-          <a:fillRef idx="1">
-            <a:schemeClr val="accent1"/>
-          </a:fillRef>
-          <a:effectRef idx="0">
-            <a:schemeClr val="accent1"/>
-          </a:effectRef>
-          <a:fontRef idx="minor">
-            <a:schemeClr val="lt1"/>
-          </a:fontRef>
-        </p:style>
-        <p:txBody>
-          <a:bodyPr rtlCol="0" anchor="ctr"/>
-          <a:lstStyle/>
-          <a:p>
-            <a:pPr algn="ctr"/>
-            <a:endParaRPr lang="en-US"/>
-          </a:p>
-        </p:txBody>
-      </p:sp>
     </p:spTree>
     <p:extLst>
       <p:ext uri="{BB962C8B-B14F-4D97-AF65-F5344CB8AC3E}">
@@ -10796,55 +10012,6 @@
           </a:p>
         </p:txBody>
       </p:sp>
-      <p:sp>
-        <p:nvSpPr>
-          <p:cNvPr id="4" name="Rectangle 3"/>
-          <p:cNvSpPr/>
-          <p:nvPr userDrawn="1"/>
-        </p:nvSpPr>
-        <p:spPr>
-          <a:xfrm>
-            <a:off x="2356" y="0"/>
-            <a:ext cx="45719" cy="6858000"/>
-          </a:xfrm>
-          <a:prstGeom prst="rect">
-            <a:avLst/>
-          </a:prstGeom>
-          <a:solidFill>
-            <a:schemeClr val="accent5">
-              <a:lumMod val="60000"/>
-              <a:lumOff val="40000"/>
-            </a:schemeClr>
-          </a:solidFill>
-          <a:ln>
-            <a:noFill/>
-          </a:ln>
-        </p:spPr>
-        <p:style>
-          <a:lnRef idx="2">
-            <a:schemeClr val="accent1">
-              <a:shade val="50000"/>
-            </a:schemeClr>
-          </a:lnRef>
-          <a:fillRef idx="1">
-            <a:schemeClr val="accent1"/>
-          </a:fillRef>
-          <a:effectRef idx="0">
-            <a:schemeClr val="accent1"/>
-          </a:effectRef>
-          <a:fontRef idx="minor">
-            <a:schemeClr val="lt1"/>
-          </a:fontRef>
-        </p:style>
-        <p:txBody>
-          <a:bodyPr rtlCol="0" anchor="ctr"/>
-          <a:lstStyle/>
-          <a:p>
-            <a:pPr algn="ctr"/>
-            <a:endParaRPr lang="en-US"/>
-          </a:p>
-        </p:txBody>
-      </p:sp>
     </p:spTree>
     <p:extLst>
       <p:ext uri="{BB962C8B-B14F-4D97-AF65-F5344CB8AC3E}">
@@ -10984,55 +10151,6 @@
           </a:p>
         </p:txBody>
       </p:sp>
-      <p:sp>
-        <p:nvSpPr>
-          <p:cNvPr id="4" name="Rectangle 3"/>
-          <p:cNvSpPr/>
-          <p:nvPr userDrawn="1"/>
-        </p:nvSpPr>
-        <p:spPr>
-          <a:xfrm>
-            <a:off x="2356" y="0"/>
-            <a:ext cx="45719" cy="6858000"/>
-          </a:xfrm>
-          <a:prstGeom prst="rect">
-            <a:avLst/>
-          </a:prstGeom>
-          <a:solidFill>
-            <a:schemeClr val="accent5">
-              <a:lumMod val="60000"/>
-              <a:lumOff val="40000"/>
-            </a:schemeClr>
-          </a:solidFill>
-          <a:ln>
-            <a:noFill/>
-          </a:ln>
-        </p:spPr>
-        <p:style>
-          <a:lnRef idx="2">
-            <a:schemeClr val="accent1">
-              <a:shade val="50000"/>
-            </a:schemeClr>
-          </a:lnRef>
-          <a:fillRef idx="1">
-            <a:schemeClr val="accent1"/>
-          </a:fillRef>
-          <a:effectRef idx="0">
-            <a:schemeClr val="accent1"/>
-          </a:effectRef>
-          <a:fontRef idx="minor">
-            <a:schemeClr val="lt1"/>
-          </a:fontRef>
-        </p:style>
-        <p:txBody>
-          <a:bodyPr rtlCol="0" anchor="ctr"/>
-          <a:lstStyle/>
-          <a:p>
-            <a:pPr algn="ctr"/>
-            <a:endParaRPr lang="en-US"/>
-          </a:p>
-        </p:txBody>
-      </p:sp>
     </p:spTree>
     <p:extLst>
       <p:ext uri="{BB962C8B-B14F-4D97-AF65-F5344CB8AC3E}">
@@ -11172,55 +10290,6 @@
           </a:p>
         </p:txBody>
       </p:sp>
-      <p:sp>
-        <p:nvSpPr>
-          <p:cNvPr id="4" name="Rectangle 3"/>
-          <p:cNvSpPr/>
-          <p:nvPr userDrawn="1"/>
-        </p:nvSpPr>
-        <p:spPr>
-          <a:xfrm>
-            <a:off x="2356" y="0"/>
-            <a:ext cx="45719" cy="6858000"/>
-          </a:xfrm>
-          <a:prstGeom prst="rect">
-            <a:avLst/>
-          </a:prstGeom>
-          <a:solidFill>
-            <a:schemeClr val="accent5">
-              <a:lumMod val="60000"/>
-              <a:lumOff val="40000"/>
-            </a:schemeClr>
-          </a:solidFill>
-          <a:ln>
-            <a:noFill/>
-          </a:ln>
-        </p:spPr>
-        <p:style>
-          <a:lnRef idx="2">
-            <a:schemeClr val="accent1">
-              <a:shade val="50000"/>
-            </a:schemeClr>
-          </a:lnRef>
-          <a:fillRef idx="1">
-            <a:schemeClr val="accent1"/>
-          </a:fillRef>
-          <a:effectRef idx="0">
-            <a:schemeClr val="accent1"/>
-          </a:effectRef>
-          <a:fontRef idx="minor">
-            <a:schemeClr val="lt1"/>
-          </a:fontRef>
-        </p:style>
-        <p:txBody>
-          <a:bodyPr rtlCol="0" anchor="ctr"/>
-          <a:lstStyle/>
-          <a:p>
-            <a:pPr algn="ctr"/>
-            <a:endParaRPr lang="en-US"/>
-          </a:p>
-        </p:txBody>
-      </p:sp>
     </p:spTree>
     <p:extLst>
       <p:ext uri="{BB962C8B-B14F-4D97-AF65-F5344CB8AC3E}">
@@ -11360,55 +10429,6 @@
           </a:p>
         </p:txBody>
       </p:sp>
-      <p:sp>
-        <p:nvSpPr>
-          <p:cNvPr id="4" name="Rectangle 3"/>
-          <p:cNvSpPr/>
-          <p:nvPr userDrawn="1"/>
-        </p:nvSpPr>
-        <p:spPr>
-          <a:xfrm>
-            <a:off x="2356" y="0"/>
-            <a:ext cx="45719" cy="6858000"/>
-          </a:xfrm>
-          <a:prstGeom prst="rect">
-            <a:avLst/>
-          </a:prstGeom>
-          <a:solidFill>
-            <a:schemeClr val="accent5">
-              <a:lumMod val="60000"/>
-              <a:lumOff val="40000"/>
-            </a:schemeClr>
-          </a:solidFill>
-          <a:ln>
-            <a:noFill/>
-          </a:ln>
-        </p:spPr>
-        <p:style>
-          <a:lnRef idx="2">
-            <a:schemeClr val="accent1">
-              <a:shade val="50000"/>
-            </a:schemeClr>
-          </a:lnRef>
-          <a:fillRef idx="1">
-            <a:schemeClr val="accent1"/>
-          </a:fillRef>
-          <a:effectRef idx="0">
-            <a:schemeClr val="accent1"/>
-          </a:effectRef>
-          <a:fontRef idx="minor">
-            <a:schemeClr val="lt1"/>
-          </a:fontRef>
-        </p:style>
-        <p:txBody>
-          <a:bodyPr rtlCol="0" anchor="ctr"/>
-          <a:lstStyle/>
-          <a:p>
-            <a:pPr algn="ctr"/>
-            <a:endParaRPr lang="en-US"/>
-          </a:p>
-        </p:txBody>
-      </p:sp>
     </p:spTree>
     <p:extLst>
       <p:ext uri="{BB962C8B-B14F-4D97-AF65-F5344CB8AC3E}">
@@ -11548,55 +10568,6 @@
           </a:p>
         </p:txBody>
       </p:sp>
-      <p:sp>
-        <p:nvSpPr>
-          <p:cNvPr id="4" name="Rectangle 3"/>
-          <p:cNvSpPr/>
-          <p:nvPr userDrawn="1"/>
-        </p:nvSpPr>
-        <p:spPr>
-          <a:xfrm>
-            <a:off x="2356" y="0"/>
-            <a:ext cx="45719" cy="6858000"/>
-          </a:xfrm>
-          <a:prstGeom prst="rect">
-            <a:avLst/>
-          </a:prstGeom>
-          <a:solidFill>
-            <a:schemeClr val="accent5">
-              <a:lumMod val="60000"/>
-              <a:lumOff val="40000"/>
-            </a:schemeClr>
-          </a:solidFill>
-          <a:ln>
-            <a:noFill/>
-          </a:ln>
-        </p:spPr>
-        <p:style>
-          <a:lnRef idx="2">
-            <a:schemeClr val="accent1">
-              <a:shade val="50000"/>
-            </a:schemeClr>
-          </a:lnRef>
-          <a:fillRef idx="1">
-            <a:schemeClr val="accent1"/>
-          </a:fillRef>
-          <a:effectRef idx="0">
-            <a:schemeClr val="accent1"/>
-          </a:effectRef>
-          <a:fontRef idx="minor">
-            <a:schemeClr val="lt1"/>
-          </a:fontRef>
-        </p:style>
-        <p:txBody>
-          <a:bodyPr rtlCol="0" anchor="ctr"/>
-          <a:lstStyle/>
-          <a:p>
-            <a:pPr algn="ctr"/>
-            <a:endParaRPr lang="en-US"/>
-          </a:p>
-        </p:txBody>
-      </p:sp>
     </p:spTree>
     <p:extLst>
       <p:ext uri="{BB962C8B-B14F-4D97-AF65-F5344CB8AC3E}">
@@ -11736,55 +10707,6 @@
           </a:p>
         </p:txBody>
       </p:sp>
-      <p:sp>
-        <p:nvSpPr>
-          <p:cNvPr id="4" name="Rectangle 3"/>
-          <p:cNvSpPr/>
-          <p:nvPr userDrawn="1"/>
-        </p:nvSpPr>
-        <p:spPr>
-          <a:xfrm>
-            <a:off x="2356" y="0"/>
-            <a:ext cx="45719" cy="6858000"/>
-          </a:xfrm>
-          <a:prstGeom prst="rect">
-            <a:avLst/>
-          </a:prstGeom>
-          <a:solidFill>
-            <a:schemeClr val="accent5">
-              <a:lumMod val="60000"/>
-              <a:lumOff val="40000"/>
-            </a:schemeClr>
-          </a:solidFill>
-          <a:ln>
-            <a:noFill/>
-          </a:ln>
-        </p:spPr>
-        <p:style>
-          <a:lnRef idx="2">
-            <a:schemeClr val="accent1">
-              <a:shade val="50000"/>
-            </a:schemeClr>
-          </a:lnRef>
-          <a:fillRef idx="1">
-            <a:schemeClr val="accent1"/>
-          </a:fillRef>
-          <a:effectRef idx="0">
-            <a:schemeClr val="accent1"/>
-          </a:effectRef>
-          <a:fontRef idx="minor">
-            <a:schemeClr val="lt1"/>
-          </a:fontRef>
-        </p:style>
-        <p:txBody>
-          <a:bodyPr rtlCol="0" anchor="ctr"/>
-          <a:lstStyle/>
-          <a:p>
-            <a:pPr algn="ctr"/>
-            <a:endParaRPr lang="en-US"/>
-          </a:p>
-        </p:txBody>
-      </p:sp>
     </p:spTree>
     <p:extLst>
       <p:ext uri="{BB962C8B-B14F-4D97-AF65-F5344CB8AC3E}">
@@ -11921,55 +10843,6 @@
               <a:t>Fifth level</a:t>
             </a:r>
             <a:endParaRPr lang="en-US" dirty="0"/>
-          </a:p>
-        </p:txBody>
-      </p:sp>
-      <p:sp>
-        <p:nvSpPr>
-          <p:cNvPr id="4" name="Rectangle 3"/>
-          <p:cNvSpPr/>
-          <p:nvPr userDrawn="1"/>
-        </p:nvSpPr>
-        <p:spPr>
-          <a:xfrm>
-            <a:off x="2356" y="0"/>
-            <a:ext cx="45719" cy="6858000"/>
-          </a:xfrm>
-          <a:prstGeom prst="rect">
-            <a:avLst/>
-          </a:prstGeom>
-          <a:solidFill>
-            <a:schemeClr val="accent5">
-              <a:lumMod val="60000"/>
-              <a:lumOff val="40000"/>
-            </a:schemeClr>
-          </a:solidFill>
-          <a:ln>
-            <a:noFill/>
-          </a:ln>
-        </p:spPr>
-        <p:style>
-          <a:lnRef idx="2">
-            <a:schemeClr val="accent1">
-              <a:shade val="50000"/>
-            </a:schemeClr>
-          </a:lnRef>
-          <a:fillRef idx="1">
-            <a:schemeClr val="accent1"/>
-          </a:fillRef>
-          <a:effectRef idx="0">
-            <a:schemeClr val="accent1"/>
-          </a:effectRef>
-          <a:fontRef idx="minor">
-            <a:schemeClr val="lt1"/>
-          </a:fontRef>
-        </p:style>
-        <p:txBody>
-          <a:bodyPr rtlCol="0" anchor="ctr"/>
-          <a:lstStyle/>
-          <a:p>
-            <a:pPr algn="ctr"/>
-            <a:endParaRPr lang="en-US"/>
           </a:p>
         </p:txBody>
       </p:sp>
@@ -12344,55 +11217,6 @@
           </a:p>
         </p:txBody>
       </p:sp>
-      <p:sp>
-        <p:nvSpPr>
-          <p:cNvPr id="4" name="Rectangle 3"/>
-          <p:cNvSpPr/>
-          <p:nvPr userDrawn="1"/>
-        </p:nvSpPr>
-        <p:spPr>
-          <a:xfrm>
-            <a:off x="2356" y="0"/>
-            <a:ext cx="45719" cy="6858000"/>
-          </a:xfrm>
-          <a:prstGeom prst="rect">
-            <a:avLst/>
-          </a:prstGeom>
-          <a:solidFill>
-            <a:schemeClr val="accent5">
-              <a:lumMod val="60000"/>
-              <a:lumOff val="40000"/>
-            </a:schemeClr>
-          </a:solidFill>
-          <a:ln>
-            <a:noFill/>
-          </a:ln>
-        </p:spPr>
-        <p:style>
-          <a:lnRef idx="2">
-            <a:schemeClr val="accent1">
-              <a:shade val="50000"/>
-            </a:schemeClr>
-          </a:lnRef>
-          <a:fillRef idx="1">
-            <a:schemeClr val="accent1"/>
-          </a:fillRef>
-          <a:effectRef idx="0">
-            <a:schemeClr val="accent1"/>
-          </a:effectRef>
-          <a:fontRef idx="minor">
-            <a:schemeClr val="lt1"/>
-          </a:fontRef>
-        </p:style>
-        <p:txBody>
-          <a:bodyPr rtlCol="0" anchor="ctr"/>
-          <a:lstStyle/>
-          <a:p>
-            <a:pPr algn="ctr"/>
-            <a:endParaRPr lang="en-US"/>
-          </a:p>
-        </p:txBody>
-      </p:sp>
     </p:spTree>
     <p:extLst>
       <p:ext uri="{BB962C8B-B14F-4D97-AF65-F5344CB8AC3E}">
@@ -12532,55 +11356,6 @@
           </a:p>
         </p:txBody>
       </p:sp>
-      <p:sp>
-        <p:nvSpPr>
-          <p:cNvPr id="4" name="Rectangle 3"/>
-          <p:cNvSpPr/>
-          <p:nvPr userDrawn="1"/>
-        </p:nvSpPr>
-        <p:spPr>
-          <a:xfrm>
-            <a:off x="2356" y="0"/>
-            <a:ext cx="45719" cy="6858000"/>
-          </a:xfrm>
-          <a:prstGeom prst="rect">
-            <a:avLst/>
-          </a:prstGeom>
-          <a:solidFill>
-            <a:schemeClr val="accent5">
-              <a:lumMod val="60000"/>
-              <a:lumOff val="40000"/>
-            </a:schemeClr>
-          </a:solidFill>
-          <a:ln>
-            <a:noFill/>
-          </a:ln>
-        </p:spPr>
-        <p:style>
-          <a:lnRef idx="2">
-            <a:schemeClr val="accent1">
-              <a:shade val="50000"/>
-            </a:schemeClr>
-          </a:lnRef>
-          <a:fillRef idx="1">
-            <a:schemeClr val="accent1"/>
-          </a:fillRef>
-          <a:effectRef idx="0">
-            <a:schemeClr val="accent1"/>
-          </a:effectRef>
-          <a:fontRef idx="minor">
-            <a:schemeClr val="lt1"/>
-          </a:fontRef>
-        </p:style>
-        <p:txBody>
-          <a:bodyPr rtlCol="0" anchor="ctr"/>
-          <a:lstStyle/>
-          <a:p>
-            <a:pPr algn="ctr"/>
-            <a:endParaRPr lang="en-US"/>
-          </a:p>
-        </p:txBody>
-      </p:sp>
     </p:spTree>
     <p:extLst>
       <p:ext uri="{BB962C8B-B14F-4D97-AF65-F5344CB8AC3E}">
@@ -12720,55 +11495,6 @@
           </a:p>
         </p:txBody>
       </p:sp>
-      <p:sp>
-        <p:nvSpPr>
-          <p:cNvPr id="4" name="Rectangle 3"/>
-          <p:cNvSpPr/>
-          <p:nvPr userDrawn="1"/>
-        </p:nvSpPr>
-        <p:spPr>
-          <a:xfrm>
-            <a:off x="2356" y="0"/>
-            <a:ext cx="45719" cy="6858000"/>
-          </a:xfrm>
-          <a:prstGeom prst="rect">
-            <a:avLst/>
-          </a:prstGeom>
-          <a:solidFill>
-            <a:schemeClr val="accent5">
-              <a:lumMod val="60000"/>
-              <a:lumOff val="40000"/>
-            </a:schemeClr>
-          </a:solidFill>
-          <a:ln>
-            <a:noFill/>
-          </a:ln>
-        </p:spPr>
-        <p:style>
-          <a:lnRef idx="2">
-            <a:schemeClr val="accent1">
-              <a:shade val="50000"/>
-            </a:schemeClr>
-          </a:lnRef>
-          <a:fillRef idx="1">
-            <a:schemeClr val="accent1"/>
-          </a:fillRef>
-          <a:effectRef idx="0">
-            <a:schemeClr val="accent1"/>
-          </a:effectRef>
-          <a:fontRef idx="minor">
-            <a:schemeClr val="lt1"/>
-          </a:fontRef>
-        </p:style>
-        <p:txBody>
-          <a:bodyPr rtlCol="0" anchor="ctr"/>
-          <a:lstStyle/>
-          <a:p>
-            <a:pPr algn="ctr"/>
-            <a:endParaRPr lang="en-US"/>
-          </a:p>
-        </p:txBody>
-      </p:sp>
     </p:spTree>
     <p:extLst>
       <p:ext uri="{BB962C8B-B14F-4D97-AF65-F5344CB8AC3E}">
@@ -12908,55 +11634,6 @@
           </a:p>
         </p:txBody>
       </p:sp>
-      <p:sp>
-        <p:nvSpPr>
-          <p:cNvPr id="4" name="Rectangle 3"/>
-          <p:cNvSpPr/>
-          <p:nvPr userDrawn="1"/>
-        </p:nvSpPr>
-        <p:spPr>
-          <a:xfrm>
-            <a:off x="2356" y="0"/>
-            <a:ext cx="45719" cy="6858000"/>
-          </a:xfrm>
-          <a:prstGeom prst="rect">
-            <a:avLst/>
-          </a:prstGeom>
-          <a:solidFill>
-            <a:schemeClr val="accent5">
-              <a:lumMod val="60000"/>
-              <a:lumOff val="40000"/>
-            </a:schemeClr>
-          </a:solidFill>
-          <a:ln>
-            <a:noFill/>
-          </a:ln>
-        </p:spPr>
-        <p:style>
-          <a:lnRef idx="2">
-            <a:schemeClr val="accent1">
-              <a:shade val="50000"/>
-            </a:schemeClr>
-          </a:lnRef>
-          <a:fillRef idx="1">
-            <a:schemeClr val="accent1"/>
-          </a:fillRef>
-          <a:effectRef idx="0">
-            <a:schemeClr val="accent1"/>
-          </a:effectRef>
-          <a:fontRef idx="minor">
-            <a:schemeClr val="lt1"/>
-          </a:fontRef>
-        </p:style>
-        <p:txBody>
-          <a:bodyPr rtlCol="0" anchor="ctr"/>
-          <a:lstStyle/>
-          <a:p>
-            <a:pPr algn="ctr"/>
-            <a:endParaRPr lang="en-US"/>
-          </a:p>
-        </p:txBody>
-      </p:sp>
     </p:spTree>
     <p:extLst>
       <p:ext uri="{BB962C8B-B14F-4D97-AF65-F5344CB8AC3E}">
@@ -13197,55 +11874,6 @@
           </a:p>
         </p:txBody>
       </p:sp>
-      <p:sp>
-        <p:nvSpPr>
-          <p:cNvPr id="5" name="Rectangle 4"/>
-          <p:cNvSpPr/>
-          <p:nvPr userDrawn="1"/>
-        </p:nvSpPr>
-        <p:spPr>
-          <a:xfrm>
-            <a:off x="2356" y="0"/>
-            <a:ext cx="45719" cy="6858000"/>
-          </a:xfrm>
-          <a:prstGeom prst="rect">
-            <a:avLst/>
-          </a:prstGeom>
-          <a:solidFill>
-            <a:schemeClr val="accent6">
-              <a:lumMod val="60000"/>
-              <a:lumOff val="40000"/>
-            </a:schemeClr>
-          </a:solidFill>
-          <a:ln>
-            <a:noFill/>
-          </a:ln>
-        </p:spPr>
-        <p:style>
-          <a:lnRef idx="2">
-            <a:schemeClr val="accent1">
-              <a:shade val="50000"/>
-            </a:schemeClr>
-          </a:lnRef>
-          <a:fillRef idx="1">
-            <a:schemeClr val="accent1"/>
-          </a:fillRef>
-          <a:effectRef idx="0">
-            <a:schemeClr val="accent1"/>
-          </a:effectRef>
-          <a:fontRef idx="minor">
-            <a:schemeClr val="lt1"/>
-          </a:fontRef>
-        </p:style>
-        <p:txBody>
-          <a:bodyPr rtlCol="0" anchor="ctr"/>
-          <a:lstStyle/>
-          <a:p>
-            <a:pPr algn="ctr"/>
-            <a:endParaRPr lang="en-US"/>
-          </a:p>
-        </p:txBody>
-      </p:sp>
     </p:spTree>
     <p:extLst>
       <p:ext uri="{BB962C8B-B14F-4D97-AF65-F5344CB8AC3E}">
@@ -13482,55 +12110,6 @@
               <a:rPr lang="en-US" smtClean="0"/>
               <a:t>Click to edit Master title style</a:t>
             </a:r>
-            <a:endParaRPr lang="en-US"/>
-          </a:p>
-        </p:txBody>
-      </p:sp>
-      <p:sp>
-        <p:nvSpPr>
-          <p:cNvPr id="5" name="Rectangle 4"/>
-          <p:cNvSpPr/>
-          <p:nvPr userDrawn="1"/>
-        </p:nvSpPr>
-        <p:spPr>
-          <a:xfrm>
-            <a:off x="2356" y="0"/>
-            <a:ext cx="45719" cy="6858000"/>
-          </a:xfrm>
-          <a:prstGeom prst="rect">
-            <a:avLst/>
-          </a:prstGeom>
-          <a:solidFill>
-            <a:schemeClr val="accent5">
-              <a:lumMod val="60000"/>
-              <a:lumOff val="40000"/>
-            </a:schemeClr>
-          </a:solidFill>
-          <a:ln>
-            <a:noFill/>
-          </a:ln>
-        </p:spPr>
-        <p:style>
-          <a:lnRef idx="2">
-            <a:schemeClr val="accent1">
-              <a:shade val="50000"/>
-            </a:schemeClr>
-          </a:lnRef>
-          <a:fillRef idx="1">
-            <a:schemeClr val="accent1"/>
-          </a:fillRef>
-          <a:effectRef idx="0">
-            <a:schemeClr val="accent1"/>
-          </a:effectRef>
-          <a:fontRef idx="minor">
-            <a:schemeClr val="lt1"/>
-          </a:fontRef>
-        </p:style>
-        <p:txBody>
-          <a:bodyPr rtlCol="0" anchor="ctr"/>
-          <a:lstStyle/>
-          <a:p>
-            <a:pPr algn="ctr"/>
             <a:endParaRPr lang="en-US"/>
           </a:p>
         </p:txBody>
@@ -17101,7 +15680,6 @@
               <a:rPr lang="en-US" dirty="0" smtClean="0"/>
               <a:t>You will use these methods to also manipulate and change object properties</a:t>
             </a:r>
-            <a:endParaRPr lang="en-US" dirty="0" smtClean="0"/>
           </a:p>
         </p:txBody>
       </p:sp>
@@ -17943,11 +16521,7 @@
           <a:p>
             <a:r>
               <a:rPr lang="en-US" dirty="0" smtClean="0"/>
-              <a:t>Though private and public methods </a:t>
-            </a:r>
-            <a:r>
-              <a:rPr lang="en-US" dirty="0" smtClean="0"/>
-              <a:t>are not used in JavaScript to hide functionality, some methods we have discussed were made to help us with that issue:</a:t>
+              <a:t>Though private and public methods are not used in JavaScript to hide functionality, some methods we have discussed were made to help us with that issue:</a:t>
             </a:r>
           </a:p>
           <a:p>
@@ -18911,7 +17485,6 @@
               <a:rPr lang="en-US" dirty="0" smtClean="0"/>
               <a:t>Constructors</a:t>
             </a:r>
-            <a:endParaRPr lang="en-US" dirty="0" smtClean="0"/>
           </a:p>
           <a:p>
             <a:pPr fontAlgn="ctr"/>
@@ -18926,7 +17499,6 @@
               <a:rPr lang="en-US" dirty="0" smtClean="0"/>
               <a:t>Inheritance </a:t>
             </a:r>
-            <a:endParaRPr lang="en-US" dirty="0" smtClean="0"/>
           </a:p>
           <a:p>
             <a:pPr fontAlgn="ctr"/>
@@ -20610,9 +19182,12 @@
 </file>
 
 <file path=customXml/item1.xml><?xml version="1.0" encoding="utf-8"?>
-<p:properties xmlns:p="http://schemas.microsoft.com/office/2006/metadata/properties" xmlns:xsi="http://www.w3.org/2001/XMLSchema-instance" xmlns:pc="http://schemas.microsoft.com/office/infopath/2007/PartnerControls">
-  <documentManagement/>
-</p:properties>
+<?mso-contentType ?>
+<FormTemplates xmlns="http://schemas.microsoft.com/sharepoint/v3/contenttype/forms">
+  <Display>DocumentLibraryForm</Display>
+  <Edit>DocumentLibraryForm</Edit>
+  <New>DocumentLibraryForm</New>
+</FormTemplates>
 </file>
 
 <file path=customXml/item2.xml><?xml version="1.0" encoding="utf-8"?>
@@ -20756,26 +19331,15 @@
 </file>
 
 <file path=customXml/item3.xml><?xml version="1.0" encoding="utf-8"?>
-<?mso-contentType ?>
-<FormTemplates xmlns="http://schemas.microsoft.com/sharepoint/v3/contenttype/forms">
-  <Display>DocumentLibraryForm</Display>
-  <Edit>DocumentLibraryForm</Edit>
-  <New>DocumentLibraryForm</New>
-</FormTemplates>
+<p:properties xmlns:p="http://schemas.microsoft.com/office/2006/metadata/properties" xmlns:xsi="http://www.w3.org/2001/XMLSchema-instance" xmlns:pc="http://schemas.microsoft.com/office/infopath/2007/PartnerControls">
+  <documentManagement/>
+</p:properties>
 </file>
 
 <file path=customXml/itemProps1.xml><?xml version="1.0" encoding="utf-8"?>
-<ds:datastoreItem xmlns:ds="http://schemas.openxmlformats.org/officeDocument/2006/customXml" ds:itemID="{7025FDD9-4C58-4084-9F89-0E6ADD6FFF55}">
+<ds:datastoreItem xmlns:ds="http://schemas.openxmlformats.org/officeDocument/2006/customXml" ds:itemID="{B0CA13EC-1D3C-4D6F-8D1C-E8A452CFC79A}">
   <ds:schemaRefs>
-    <ds:schemaRef ds:uri="http://schemas.microsoft.com/office/2006/documentManagement/types"/>
-    <ds:schemaRef ds:uri="http://schemas.microsoft.com/office/infopath/2007/PartnerControls"/>
-    <ds:schemaRef ds:uri="http://purl.org/dc/elements/1.1/"/>
-    <ds:schemaRef ds:uri="http://schemas.microsoft.com/office/2006/metadata/properties"/>
-    <ds:schemaRef ds:uri="http://purl.org/dc/terms/"/>
-    <ds:schemaRef ds:uri="http://schemas.openxmlformats.org/package/2006/metadata/core-properties"/>
-    <ds:schemaRef ds:uri="e5a13ba8-98e3-4f23-a221-7ac9824aa662"/>
-    <ds:schemaRef ds:uri="http://www.w3.org/XML/1998/namespace"/>
-    <ds:schemaRef ds:uri="http://purl.org/dc/dcmitype/"/>
+    <ds:schemaRef ds:uri="http://schemas.microsoft.com/sharepoint/v3/contenttype/forms"/>
   </ds:schemaRefs>
 </ds:datastoreItem>
 </file>
@@ -20799,9 +19363,17 @@
 </file>
 
 <file path=customXml/itemProps3.xml><?xml version="1.0" encoding="utf-8"?>
-<ds:datastoreItem xmlns:ds="http://schemas.openxmlformats.org/officeDocument/2006/customXml" ds:itemID="{B0CA13EC-1D3C-4D6F-8D1C-E8A452CFC79A}">
+<ds:datastoreItem xmlns:ds="http://schemas.openxmlformats.org/officeDocument/2006/customXml" ds:itemID="{7025FDD9-4C58-4084-9F89-0E6ADD6FFF55}">
   <ds:schemaRefs>
-    <ds:schemaRef ds:uri="http://schemas.microsoft.com/sharepoint/v3/contenttype/forms"/>
+    <ds:schemaRef ds:uri="http://schemas.microsoft.com/office/2006/documentManagement/types"/>
+    <ds:schemaRef ds:uri="http://schemas.microsoft.com/office/infopath/2007/PartnerControls"/>
+    <ds:schemaRef ds:uri="http://purl.org/dc/elements/1.1/"/>
+    <ds:schemaRef ds:uri="http://schemas.microsoft.com/office/2006/metadata/properties"/>
+    <ds:schemaRef ds:uri="http://purl.org/dc/terms/"/>
+    <ds:schemaRef ds:uri="http://schemas.openxmlformats.org/package/2006/metadata/core-properties"/>
+    <ds:schemaRef ds:uri="e5a13ba8-98e3-4f23-a221-7ac9824aa662"/>
+    <ds:schemaRef ds:uri="http://www.w3.org/XML/1998/namespace"/>
+    <ds:schemaRef ds:uri="http://purl.org/dc/dcmitype/"/>
   </ds:schemaRefs>
 </ds:datastoreItem>
 </file>
--- a/Slides/Module 2 -Object Oriented Programming in J.pptx
+++ b/Slides/Module 2 -Object Oriented Programming in J.pptx
@@ -283,7 +283,7 @@
           <a:p>
             <a:fld id="{312E7B4A-039C-48A2-9B2C-AF16AA3873D8}" type="datetimeFigureOut">
               <a:rPr lang="en-US" smtClean="0"/>
-              <a:t>10/23/2015</a:t>
+              <a:t>10/25/2015</a:t>
             </a:fld>
             <a:endParaRPr lang="en-US"/>
           </a:p>
@@ -448,7 +448,7 @@
           <a:p>
             <a:fld id="{DA005A0C-54D9-45AA-87D4-C551D08DFCE1}" type="datetimeFigureOut">
               <a:rPr lang="en-US" smtClean="0"/>
-              <a:t>10/23/2015</a:t>
+              <a:t>10/25/2015</a:t>
             </a:fld>
             <a:endParaRPr lang="en-US"/>
           </a:p>
@@ -16765,7 +16765,7 @@
                           <a:latin typeface="Segoe UI Light" panose="020B0502040204020203" pitchFamily="34" charset="0"/>
                           <a:cs typeface="Segoe UI Light" panose="020B0502040204020203" pitchFamily="34" charset="0"/>
                         </a:rPr>
-                        <a:t>Creating Objects</a:t>
+                        <a:t>Object Orientated Programming </a:t>
                       </a:r>
                       <a:endParaRPr lang="en-US" sz="2400" dirty="0">
                         <a:latin typeface="Segoe UI Light" panose="020B0502040204020203" pitchFamily="34" charset="0"/>
@@ -19182,12 +19182,9 @@
 </file>
 
 <file path=customXml/item1.xml><?xml version="1.0" encoding="utf-8"?>
-<?mso-contentType ?>
-<FormTemplates xmlns="http://schemas.microsoft.com/sharepoint/v3/contenttype/forms">
-  <Display>DocumentLibraryForm</Display>
-  <Edit>DocumentLibraryForm</Edit>
-  <New>DocumentLibraryForm</New>
-</FormTemplates>
+<p:properties xmlns:p="http://schemas.microsoft.com/office/2006/metadata/properties" xmlns:xsi="http://www.w3.org/2001/XMLSchema-instance" xmlns:pc="http://schemas.microsoft.com/office/infopath/2007/PartnerControls">
+  <documentManagement/>
+</p:properties>
 </file>
 
 <file path=customXml/item2.xml><?xml version="1.0" encoding="utf-8"?>
@@ -19331,15 +19328,26 @@
 </file>
 
 <file path=customXml/item3.xml><?xml version="1.0" encoding="utf-8"?>
-<p:properties xmlns:p="http://schemas.microsoft.com/office/2006/metadata/properties" xmlns:xsi="http://www.w3.org/2001/XMLSchema-instance" xmlns:pc="http://schemas.microsoft.com/office/infopath/2007/PartnerControls">
-  <documentManagement/>
-</p:properties>
+<?mso-contentType ?>
+<FormTemplates xmlns="http://schemas.microsoft.com/sharepoint/v3/contenttype/forms">
+  <Display>DocumentLibraryForm</Display>
+  <Edit>DocumentLibraryForm</Edit>
+  <New>DocumentLibraryForm</New>
+</FormTemplates>
 </file>
 
 <file path=customXml/itemProps1.xml><?xml version="1.0" encoding="utf-8"?>
-<ds:datastoreItem xmlns:ds="http://schemas.openxmlformats.org/officeDocument/2006/customXml" ds:itemID="{B0CA13EC-1D3C-4D6F-8D1C-E8A452CFC79A}">
+<ds:datastoreItem xmlns:ds="http://schemas.openxmlformats.org/officeDocument/2006/customXml" ds:itemID="{7025FDD9-4C58-4084-9F89-0E6ADD6FFF55}">
   <ds:schemaRefs>
-    <ds:schemaRef ds:uri="http://schemas.microsoft.com/sharepoint/v3/contenttype/forms"/>
+    <ds:schemaRef ds:uri="http://schemas.microsoft.com/office/2006/documentManagement/types"/>
+    <ds:schemaRef ds:uri="http://schemas.microsoft.com/office/infopath/2007/PartnerControls"/>
+    <ds:schemaRef ds:uri="http://purl.org/dc/elements/1.1/"/>
+    <ds:schemaRef ds:uri="http://schemas.microsoft.com/office/2006/metadata/properties"/>
+    <ds:schemaRef ds:uri="http://purl.org/dc/terms/"/>
+    <ds:schemaRef ds:uri="http://schemas.openxmlformats.org/package/2006/metadata/core-properties"/>
+    <ds:schemaRef ds:uri="e5a13ba8-98e3-4f23-a221-7ac9824aa662"/>
+    <ds:schemaRef ds:uri="http://www.w3.org/XML/1998/namespace"/>
+    <ds:schemaRef ds:uri="http://purl.org/dc/dcmitype/"/>
   </ds:schemaRefs>
 </ds:datastoreItem>
 </file>
@@ -19363,17 +19371,9 @@
 </file>
 
 <file path=customXml/itemProps3.xml><?xml version="1.0" encoding="utf-8"?>
-<ds:datastoreItem xmlns:ds="http://schemas.openxmlformats.org/officeDocument/2006/customXml" ds:itemID="{7025FDD9-4C58-4084-9F89-0E6ADD6FFF55}">
+<ds:datastoreItem xmlns:ds="http://schemas.openxmlformats.org/officeDocument/2006/customXml" ds:itemID="{B0CA13EC-1D3C-4D6F-8D1C-E8A452CFC79A}">
   <ds:schemaRefs>
-    <ds:schemaRef ds:uri="http://schemas.microsoft.com/office/2006/documentManagement/types"/>
-    <ds:schemaRef ds:uri="http://schemas.microsoft.com/office/infopath/2007/PartnerControls"/>
-    <ds:schemaRef ds:uri="http://purl.org/dc/elements/1.1/"/>
-    <ds:schemaRef ds:uri="http://schemas.microsoft.com/office/2006/metadata/properties"/>
-    <ds:schemaRef ds:uri="http://purl.org/dc/terms/"/>
-    <ds:schemaRef ds:uri="http://schemas.openxmlformats.org/package/2006/metadata/core-properties"/>
-    <ds:schemaRef ds:uri="e5a13ba8-98e3-4f23-a221-7ac9824aa662"/>
-    <ds:schemaRef ds:uri="http://www.w3.org/XML/1998/namespace"/>
-    <ds:schemaRef ds:uri="http://purl.org/dc/dcmitype/"/>
+    <ds:schemaRef ds:uri="http://schemas.microsoft.com/sharepoint/v3/contenttype/forms"/>
   </ds:schemaRefs>
 </ds:datastoreItem>
 </file>
--- a/Slides/Module 2 -Object Oriented Programming in J.pptx
+++ b/Slides/Module 2 -Object Oriented Programming in J.pptx
@@ -283,7 +283,7 @@
           <a:p>
             <a:fld id="{312E7B4A-039C-48A2-9B2C-AF16AA3873D8}" type="datetimeFigureOut">
               <a:rPr lang="en-US" smtClean="0"/>
-              <a:t>10/26/2015</a:t>
+              <a:t>10/28/2015</a:t>
             </a:fld>
             <a:endParaRPr lang="en-US"/>
           </a:p>
@@ -448,7 +448,7 @@
           <a:p>
             <a:fld id="{DA005A0C-54D9-45AA-87D4-C551D08DFCE1}" type="datetimeFigureOut">
               <a:rPr lang="en-US" smtClean="0"/>
-              <a:t>10/26/2015</a:t>
+              <a:t>10/28/2015</a:t>
             </a:fld>
             <a:endParaRPr lang="en-US"/>
           </a:p>
@@ -16614,7 +16614,7 @@
             <p:ph sz="quarter" idx="10"/>
             <p:extLst>
               <p:ext uri="{D42A27DB-BD31-4B8C-83A1-F6EECF244321}">
-                <p14:modId xmlns:p14="http://schemas.microsoft.com/office/powerpoint/2010/main" val="408235566"/>
+                <p14:modId xmlns:p14="http://schemas.microsoft.com/office/powerpoint/2010/main" val="2033386925"/>
               </p:ext>
             </p:extLst>
           </p:nvPr>
@@ -16765,7 +16765,21 @@
                           <a:latin typeface="Segoe UI Light" panose="020B0502040204020203" pitchFamily="34" charset="0"/>
                           <a:cs typeface="Segoe UI Light" panose="020B0502040204020203" pitchFamily="34" charset="0"/>
                         </a:rPr>
-                        <a:t>Object Orientated Programming </a:t>
+                        <a:t>Object </a:t>
+                      </a:r>
+                      <a:r>
+                        <a:rPr lang="en-US" sz="2400" baseline="0" dirty="0" smtClean="0">
+                          <a:latin typeface="Segoe UI Light" panose="020B0502040204020203" pitchFamily="34" charset="0"/>
+                          <a:cs typeface="Segoe UI Light" panose="020B0502040204020203" pitchFamily="34" charset="0"/>
+                        </a:rPr>
+                        <a:t>Oriented </a:t>
+                      </a:r>
+                      <a:r>
+                        <a:rPr lang="en-US" sz="2400" baseline="0" dirty="0" smtClean="0">
+                          <a:latin typeface="Segoe UI Light" panose="020B0502040204020203" pitchFamily="34" charset="0"/>
+                          <a:cs typeface="Segoe UI Light" panose="020B0502040204020203" pitchFamily="34" charset="0"/>
+                        </a:rPr>
+                        <a:t>Programming </a:t>
                       </a:r>
                       <a:endParaRPr lang="en-US" sz="2400" dirty="0">
                         <a:latin typeface="Segoe UI Light" panose="020B0502040204020203" pitchFamily="34" charset="0"/>
@@ -17057,29 +17071,58 @@
           <a:lstStyle/>
           <a:p>
             <a:r>
+              <a:rPr lang="en-US" dirty="0" err="1" smtClean="0">
+                <a:solidFill>
+                  <a:schemeClr val="accent1"/>
+                </a:solidFill>
+              </a:rPr>
+              <a:t>var</a:t>
+            </a:r>
+            <a:r>
+              <a:rPr lang="en-US" dirty="0" smtClean="0"/>
+              <a:t> seafood = {</a:t>
+            </a:r>
+            <a:r>
               <a:rPr lang="en-US" dirty="0" err="1" smtClean="0"/>
-              <a:t>var</a:t>
-            </a:r>
-            <a:r>
-              <a:rPr lang="en-US" dirty="0" smtClean="0"/>
-              <a:t> seafood = {</a:t>
+              <a:t>small</a:t>
             </a:r>
             <a:r>
               <a:rPr lang="en-US" dirty="0" err="1" smtClean="0"/>
-              <a:t>small:"shrimp</a:t>
-            </a:r>
-            <a:r>
-              <a:rPr lang="en-US" dirty="0" smtClean="0"/>
-              <a:t>", </a:t>
-            </a:r>
-            <a:r>
-              <a:rPr lang="en-US" dirty="0" err="1" smtClean="0"/>
-              <a:t>big:"shark</a:t>
-            </a:r>
-            <a:r>
-              <a:rPr lang="en-US" dirty="0" smtClean="0"/>
-              <a:t>"};</a:t>
-            </a:r>
+              <a:t>:</a:t>
+            </a:r>
+            <a:r>
+              <a:rPr lang="en-US" dirty="0" err="1" smtClean="0">
+                <a:solidFill>
+                  <a:schemeClr val="accent6"/>
+                </a:solidFill>
+              </a:rPr>
+              <a:t>"shrimp</a:t>
+            </a:r>
+            <a:r>
+              <a:rPr lang="en-US" dirty="0" smtClean="0">
+                <a:solidFill>
+                  <a:schemeClr val="accent6"/>
+                </a:solidFill>
+              </a:rPr>
+              <a:t>"</a:t>
+            </a:r>
+            <a:r>
+              <a:rPr lang="en-US" dirty="0" smtClean="0"/>
+              <a:t>, big: </a:t>
+            </a:r>
+            <a:r>
+              <a:rPr lang="en-US" dirty="0" smtClean="0">
+                <a:solidFill>
+                  <a:schemeClr val="accent6"/>
+                </a:solidFill>
+              </a:rPr>
+              <a:t>"shark" </a:t>
+            </a:r>
+            <a:r>
+              <a:rPr lang="en-US" dirty="0" smtClean="0"/>
+              <a:t>};</a:t>
+            </a:r>
+            <a:endParaRPr lang="en-US" dirty="0" smtClean="0"/>
           </a:p>
           <a:p>
             <a:endParaRPr lang="en-US" dirty="0"/>
@@ -17087,7 +17130,31 @@
           <a:p>
             <a:r>
               <a:rPr lang="en-US" dirty="0" smtClean="0"/>
-              <a:t>console.log("small" in seafood); // true</a:t>
+              <a:t>console.log</a:t>
+            </a:r>
+            <a:r>
+              <a:rPr lang="en-US" dirty="0" smtClean="0"/>
+              <a:t>( </a:t>
+            </a:r>
+            <a:r>
+              <a:rPr lang="en-US" dirty="0" smtClean="0">
+                <a:solidFill>
+                  <a:schemeClr val="accent6"/>
+                </a:solidFill>
+              </a:rPr>
+              <a:t>"</a:t>
+            </a:r>
+            <a:r>
+              <a:rPr lang="en-US" dirty="0" smtClean="0">
+                <a:solidFill>
+                  <a:schemeClr val="accent6"/>
+                </a:solidFill>
+              </a:rPr>
+              <a:t>small" </a:t>
+            </a:r>
+            <a:r>
+              <a:rPr lang="en-US" dirty="0" smtClean="0"/>
+              <a:t>in seafood); // true</a:t>
             </a:r>
             <a:endParaRPr lang="en-US" dirty="0"/>
           </a:p>
@@ -17105,15 +17172,39 @@
             </a:r>
             <a:r>
               <a:rPr lang="en-US" dirty="0" smtClean="0"/>
-              <a:t>("</a:t>
-            </a:r>
-            <a:r>
-              <a:rPr lang="en-US" dirty="0" err="1" smtClean="0"/>
+              <a:t>( </a:t>
+            </a:r>
+            <a:r>
+              <a:rPr lang="en-US" dirty="0" smtClean="0">
+                <a:solidFill>
+                  <a:schemeClr val="accent6"/>
+                </a:solidFill>
+              </a:rPr>
+              <a:t>"</a:t>
+            </a:r>
+            <a:r>
+              <a:rPr lang="en-US" dirty="0" err="1" smtClean="0">
+                <a:solidFill>
+                  <a:schemeClr val="accent6"/>
+                </a:solidFill>
+              </a:rPr>
               <a:t>toString</a:t>
             </a:r>
             <a:r>
-              <a:rPr lang="en-US" dirty="0" smtClean="0"/>
-              <a:t>“)); //false</a:t>
+              <a:rPr lang="en-US" dirty="0" smtClean="0">
+                <a:solidFill>
+                  <a:schemeClr val="accent6"/>
+                </a:solidFill>
+              </a:rPr>
+              <a:t>" </a:t>
+            </a:r>
+            <a:r>
+              <a:rPr lang="en-US" dirty="0" smtClean="0"/>
+              <a:t>)); </a:t>
+            </a:r>
+            <a:r>
+              <a:rPr lang="en-US" dirty="0" smtClean="0"/>
+              <a:t>//false</a:t>
             </a:r>
             <a:endParaRPr lang="en-US" dirty="0"/>
           </a:p>
@@ -17126,7 +17217,11 @@
               <a:t>for(</a:t>
             </a:r>
             <a:r>
-              <a:rPr lang="en-US" dirty="0" err="1" smtClean="0"/>
+              <a:rPr lang="en-US" dirty="0" err="1" smtClean="0">
+                <a:solidFill>
+                  <a:schemeClr val="accent6"/>
+                </a:solidFill>
+              </a:rPr>
               <a:t>var</a:t>
             </a:r>
             <a:r>
@@ -19182,15 +19277,6 @@
 </file>
 
 <file path=customXml/item1.xml><?xml version="1.0" encoding="utf-8"?>
-<?mso-contentType ?>
-<FormTemplates xmlns="http://schemas.microsoft.com/sharepoint/v3/contenttype/forms">
-  <Display>DocumentLibraryForm</Display>
-  <Edit>DocumentLibraryForm</Edit>
-  <New>DocumentLibraryForm</New>
-</FormTemplates>
-</file>
-
-<file path=customXml/item2.xml><?xml version="1.0" encoding="utf-8"?>
 <ct:contentTypeSchema xmlns:ct="http://schemas.microsoft.com/office/2006/metadata/contentType" xmlns:ma="http://schemas.microsoft.com/office/2006/metadata/properties/metaAttributes" ct:_="" ma:_="" ma:contentTypeName="Document" ma:contentTypeID="0x010100BD9BF63586D9884E9335F37127EABBE8" ma:contentTypeVersion="1" ma:contentTypeDescription="Create a new document." ma:contentTypeScope="" ma:versionID="3b40c7f62b06f9f0cd473a069af3a91f">
   <xsd:schema xmlns:xsd="http://www.w3.org/2001/XMLSchema" xmlns:xs="http://www.w3.org/2001/XMLSchema" xmlns:p="http://schemas.microsoft.com/office/2006/metadata/properties" xmlns:ns3="e5a13ba8-98e3-4f23-a221-7ac9824aa662" targetNamespace="http://schemas.microsoft.com/office/2006/metadata/properties" ma:root="true" ma:fieldsID="4327d685be69599737fa0038b3ab671f" ns3:_="">
     <xsd:import namespace="e5a13ba8-98e3-4f23-a221-7ac9824aa662"/>
@@ -19330,6 +19416,15 @@
 </ct:contentTypeSchema>
 </file>
 
+<file path=customXml/item2.xml><?xml version="1.0" encoding="utf-8"?>
+<?mso-contentType ?>
+<FormTemplates xmlns="http://schemas.microsoft.com/sharepoint/v3/contenttype/forms">
+  <Display>DocumentLibraryForm</Display>
+  <Edit>DocumentLibraryForm</Edit>
+  <New>DocumentLibraryForm</New>
+</FormTemplates>
+</file>
+
 <file path=customXml/item3.xml><?xml version="1.0" encoding="utf-8"?>
 <p:properties xmlns:p="http://schemas.microsoft.com/office/2006/metadata/properties" xmlns:xsi="http://www.w3.org/2001/XMLSchema-instance" xmlns:pc="http://schemas.microsoft.com/office/infopath/2007/PartnerControls">
   <documentManagement/>
@@ -19337,14 +19432,6 @@
 </file>
 
 <file path=customXml/itemProps1.xml><?xml version="1.0" encoding="utf-8"?>
-<ds:datastoreItem xmlns:ds="http://schemas.openxmlformats.org/officeDocument/2006/customXml" ds:itemID="{B0CA13EC-1D3C-4D6F-8D1C-E8A452CFC79A}">
-  <ds:schemaRefs>
-    <ds:schemaRef ds:uri="http://schemas.microsoft.com/sharepoint/v3/contenttype/forms"/>
-  </ds:schemaRefs>
-</ds:datastoreItem>
-</file>
-
-<file path=customXml/itemProps2.xml><?xml version="1.0" encoding="utf-8"?>
 <ds:datastoreItem xmlns:ds="http://schemas.openxmlformats.org/officeDocument/2006/customXml" ds:itemID="{DABDB566-B5C0-42A7-A33C-2648D176B99D}">
   <ds:schemaRefs>
     <ds:schemaRef ds:uri="http://schemas.microsoft.com/office/2006/metadata/contentType"/>
@@ -19358,6 +19445,14 @@
     <ds:schemaRef ds:uri="http://purl.org/dc/elements/1.1/"/>
     <ds:schemaRef ds:uri="http://purl.org/dc/terms/"/>
     <ds:schemaRef ds:uri="http://schemas.microsoft.com/internal/obd"/>
+  </ds:schemaRefs>
+</ds:datastoreItem>
+</file>
+
+<file path=customXml/itemProps2.xml><?xml version="1.0" encoding="utf-8"?>
+<ds:datastoreItem xmlns:ds="http://schemas.openxmlformats.org/officeDocument/2006/customXml" ds:itemID="{B0CA13EC-1D3C-4D6F-8D1C-E8A452CFC79A}">
+  <ds:schemaRefs>
+    <ds:schemaRef ds:uri="http://schemas.microsoft.com/sharepoint/v3/contenttype/forms"/>
   </ds:schemaRefs>
 </ds:datastoreItem>
 </file>
